--- a/print/precal_12_2.pptx
+++ b/print/precal_12_2.pptx
@@ -6616,7 +6616,7 @@
       </p:grpSp>
       <p:sp>
         <p:nvSpPr>
-          <p:cNvPr id="211" name="Open the Flags of Netherlands, Ireland &amp; Mauritius.…"/>
+          <p:cNvPr id="211" name="Open the Flags of Netherlands, Ireland &amp; Mauritius.  Save a copy.…"/>
           <p:cNvSpPr txBox="1"/>
           <p:nvPr/>
         </p:nvSpPr>
@@ -6684,7 +6684,17 @@
             </a:r>
             <a:r>
               <a:rPr u="none"/>
-              <a:t>.</a:t>
+              <a:t>.  </a:t>
+            </a:r>
+            <a:r>
+              <a:rPr u="none">
+                <a:solidFill>
+                  <a:schemeClr val="accent3">
+                    <a:lumOff val="-9098"/>
+                  </a:schemeClr>
+                </a:solidFill>
+              </a:rPr>
+              <a:t>Save a copy.</a:t>
             </a:r>
             <a:endParaRPr u="none"/>
           </a:p>
@@ -6808,7 +6818,7 @@
         </p:nvSpPr>
         <p:spPr>
           <a:xfrm>
-            <a:off x="1447882" y="730553"/>
+            <a:off x="1447882" y="821765"/>
             <a:ext cx="1156370" cy="279401"/>
           </a:xfrm>
           <a:prstGeom prst="rect">
